--- a/slides/lec10_Middlebox.pptx
+++ b/slides/lec10_Middlebox.pptx
@@ -5,7 +5,7 @@
     <p:sldMasterId id="2147483660" r:id="rId1"/>
   </p:sldMasterIdLst>
   <p:notesMasterIdLst>
-    <p:notesMasterId r:id="rId17"/>
+    <p:notesMasterId r:id="rId18"/>
   </p:notesMasterIdLst>
   <p:sldIdLst>
     <p:sldId id="256" r:id="rId2"/>
@@ -20,9 +20,10 @@
     <p:sldId id="388" r:id="rId11"/>
     <p:sldId id="384" r:id="rId12"/>
     <p:sldId id="385" r:id="rId13"/>
-    <p:sldId id="395" r:id="rId14"/>
-    <p:sldId id="396" r:id="rId15"/>
-    <p:sldId id="319" r:id="rId16"/>
+    <p:sldId id="397" r:id="rId14"/>
+    <p:sldId id="395" r:id="rId15"/>
+    <p:sldId id="396" r:id="rId16"/>
+    <p:sldId id="319" r:id="rId17"/>
   </p:sldIdLst>
   <p:sldSz cx="9144000" cy="6858000" type="screen4x3"/>
   <p:notesSz cx="6858000" cy="9144000"/>
@@ -225,7 +226,7 @@
           <a:p>
             <a:fld id="{26C21ED3-A5B8-0F43-BEC8-3BB1C1D7A737}" type="datetimeFigureOut">
               <a:rPr lang="en-US" smtClean="0"/>
-              <a:t>11/19/19</a:t>
+              <a:t>11/21/19</a:t>
             </a:fld>
             <a:endParaRPr lang="en-US"/>
           </a:p>
@@ -804,7 +805,7 @@
           <a:p>
             <a:fld id="{ECF56177-CEF1-0141-836F-3867E7E9C1D8}" type="datetime1">
               <a:rPr lang="en-US" smtClean="0"/>
-              <a:t>11/19/19</a:t>
+              <a:t>11/21/19</a:t>
             </a:fld>
             <a:endParaRPr lang="en-US"/>
           </a:p>
@@ -974,7 +975,7 @@
           <a:p>
             <a:fld id="{4CDC8FB9-92E9-4C40-A76A-6D1CDAB665BB}" type="datetime1">
               <a:rPr lang="en-US" smtClean="0"/>
-              <a:t>11/19/19</a:t>
+              <a:t>11/21/19</a:t>
             </a:fld>
             <a:endParaRPr lang="en-US"/>
           </a:p>
@@ -1154,7 +1155,7 @@
           <a:p>
             <a:fld id="{F8F03505-CCE7-CA4C-B4F1-35193B6B5156}" type="datetime1">
               <a:rPr lang="en-US" smtClean="0"/>
-              <a:t>11/19/19</a:t>
+              <a:t>11/21/19</a:t>
             </a:fld>
             <a:endParaRPr lang="en-US"/>
           </a:p>
@@ -1324,7 +1325,7 @@
           <a:p>
             <a:fld id="{A02E57FB-CD21-0942-A714-152EC4568E9D}" type="datetime1">
               <a:rPr lang="en-US" smtClean="0"/>
-              <a:t>11/19/19</a:t>
+              <a:t>11/21/19</a:t>
             </a:fld>
             <a:endParaRPr lang="en-US"/>
           </a:p>
@@ -1568,7 +1569,7 @@
           <a:p>
             <a:fld id="{77AD2927-A654-D74D-A6C0-BF96EF7229C7}" type="datetime1">
               <a:rPr lang="en-US" smtClean="0"/>
-              <a:t>11/19/19</a:t>
+              <a:t>11/21/19</a:t>
             </a:fld>
             <a:endParaRPr lang="en-US"/>
           </a:p>
@@ -1800,7 +1801,7 @@
           <a:p>
             <a:fld id="{37B554B6-7788-2348-9289-7CAD598A9555}" type="datetime1">
               <a:rPr lang="en-US" smtClean="0"/>
-              <a:t>11/19/19</a:t>
+              <a:t>11/21/19</a:t>
             </a:fld>
             <a:endParaRPr lang="en-US"/>
           </a:p>
@@ -2167,7 +2168,7 @@
           <a:p>
             <a:fld id="{CCE331CB-FA13-3243-AD80-8733E43C7C1F}" type="datetime1">
               <a:rPr lang="en-US" smtClean="0"/>
-              <a:t>11/19/19</a:t>
+              <a:t>11/21/19</a:t>
             </a:fld>
             <a:endParaRPr lang="en-US"/>
           </a:p>
@@ -2285,7 +2286,7 @@
           <a:p>
             <a:fld id="{C0172A9A-4F1F-854A-9B1E-96AFCC4A9B03}" type="datetime1">
               <a:rPr lang="en-US" smtClean="0"/>
-              <a:t>11/19/19</a:t>
+              <a:t>11/21/19</a:t>
             </a:fld>
             <a:endParaRPr lang="en-US"/>
           </a:p>
@@ -2380,7 +2381,7 @@
           <a:p>
             <a:fld id="{2D504595-1B90-0F4A-A1D0-6609637EC4CD}" type="datetime1">
               <a:rPr lang="en-US" smtClean="0"/>
-              <a:t>11/19/19</a:t>
+              <a:t>11/21/19</a:t>
             </a:fld>
             <a:endParaRPr lang="en-US"/>
           </a:p>
@@ -2657,7 +2658,7 @@
           <a:p>
             <a:fld id="{F48EB26F-796F-BD4B-9EC5-A039FE9C305B}" type="datetime1">
               <a:rPr lang="en-US" smtClean="0"/>
-              <a:t>11/19/19</a:t>
+              <a:t>11/21/19</a:t>
             </a:fld>
             <a:endParaRPr lang="en-US"/>
           </a:p>
@@ -2914,7 +2915,7 @@
           <a:p>
             <a:fld id="{CDC2C28A-C946-0143-970B-84B8FE5654F4}" type="datetime1">
               <a:rPr lang="en-US" smtClean="0"/>
-              <a:t>11/19/19</a:t>
+              <a:t>11/21/19</a:t>
             </a:fld>
             <a:endParaRPr lang="en-US"/>
           </a:p>
@@ -3127,7 +3128,7 @@
           <a:p>
             <a:fld id="{A831EFE4-169C-9248-BC74-4797ECDAE130}" type="datetime1">
               <a:rPr lang="en-US" smtClean="0"/>
-              <a:t>11/19/19</a:t>
+              <a:t>11/21/19</a:t>
             </a:fld>
             <a:endParaRPr lang="en-US"/>
           </a:p>
@@ -4155,7 +4156,6 @@
               <a:rPr lang="en-US" dirty="0" smtClean="0"/>
               <a:t>E2, SOSP’15</a:t>
             </a:r>
-            <a:endParaRPr lang="en-US" dirty="0" smtClean="0"/>
           </a:p>
           <a:p>
             <a:pPr lvl="1"/>
@@ -4163,7 +4163,6 @@
               <a:rPr lang="en-US" dirty="0" smtClean="0"/>
               <a:t>NFV control plane</a:t>
             </a:r>
-            <a:endParaRPr lang="en-US" dirty="0" smtClean="0"/>
           </a:p>
           <a:p>
             <a:endParaRPr lang="en-US" dirty="0"/>
@@ -4177,7 +4176,6 @@
               <a:rPr lang="en-US" dirty="0" smtClean="0"/>
               <a:t>, OSDI’16</a:t>
             </a:r>
-            <a:endParaRPr lang="en-US" dirty="0" smtClean="0"/>
           </a:p>
           <a:p>
             <a:pPr lvl="1"/>
@@ -4185,7 +4183,6 @@
               <a:rPr lang="en-US" dirty="0" smtClean="0"/>
               <a:t>NFV data plane</a:t>
             </a:r>
-            <a:endParaRPr lang="en-US" dirty="0" smtClean="0"/>
           </a:p>
         </p:txBody>
       </p:sp>
@@ -4285,7 +4282,6 @@
               <a:rPr lang="en-US" dirty="0" smtClean="0"/>
               <a:t> different from switches?</a:t>
             </a:r>
-            <a:endParaRPr lang="en-US" dirty="0" smtClean="0"/>
           </a:p>
         </p:txBody>
       </p:sp>
@@ -4434,6 +4430,206 @@
             <p:ph type="title"/>
           </p:nvPr>
         </p:nvSpPr>
+        <p:spPr/>
+        <p:txBody>
+          <a:bodyPr/>
+          <a:lstStyle/>
+          <a:p>
+            <a:r>
+              <a:rPr lang="en-US" altLang="zh-CN" dirty="0" smtClean="0"/>
+              <a:t>Load</a:t>
+            </a:r>
+            <a:r>
+              <a:rPr lang="zh-CN" altLang="en-US" dirty="0" smtClean="0"/>
+              <a:t> </a:t>
+            </a:r>
+            <a:r>
+              <a:rPr lang="en-US" altLang="zh-CN" dirty="0" smtClean="0"/>
+              <a:t>Balancing</a:t>
+            </a:r>
+            <a:endParaRPr lang="en-US" dirty="0"/>
+          </a:p>
+        </p:txBody>
+      </p:sp>
+      <p:sp>
+        <p:nvSpPr>
+          <p:cNvPr id="3" name="Content Placeholder 2"/>
+          <p:cNvSpPr>
+            <a:spLocks noGrp="1"/>
+          </p:cNvSpPr>
+          <p:nvPr>
+            <p:ph idx="1"/>
+          </p:nvPr>
+        </p:nvSpPr>
+        <p:spPr/>
+        <p:txBody>
+          <a:bodyPr/>
+          <a:lstStyle/>
+          <a:p>
+            <a:r>
+              <a:rPr lang="en-US" altLang="zh-CN" dirty="0" smtClean="0"/>
+              <a:t>Network</a:t>
+            </a:r>
+            <a:r>
+              <a:rPr lang="zh-CN" altLang="en-US" dirty="0" smtClean="0"/>
+              <a:t> </a:t>
+            </a:r>
+            <a:r>
+              <a:rPr lang="en-US" altLang="zh-CN" dirty="0" smtClean="0"/>
+              <a:t>load</a:t>
+            </a:r>
+            <a:r>
+              <a:rPr lang="zh-CN" altLang="en-US" dirty="0" smtClean="0"/>
+              <a:t> </a:t>
+            </a:r>
+            <a:r>
+              <a:rPr lang="en-US" altLang="zh-CN" dirty="0" smtClean="0"/>
+              <a:t>balancing</a:t>
+            </a:r>
+          </a:p>
+          <a:p>
+            <a:pPr lvl="1"/>
+            <a:r>
+              <a:rPr lang="en-US" altLang="zh-CN" dirty="0" smtClean="0"/>
+              <a:t>Choose a path between multiple paths</a:t>
+            </a:r>
+          </a:p>
+          <a:p>
+            <a:pPr lvl="1"/>
+            <a:r>
+              <a:rPr lang="en-US" altLang="zh-CN" dirty="0" smtClean="0"/>
+              <a:t>Balance</a:t>
+            </a:r>
+            <a:r>
+              <a:rPr lang="zh-CN" altLang="en-US" dirty="0" smtClean="0"/>
+              <a:t> </a:t>
+            </a:r>
+            <a:r>
+              <a:rPr lang="en-US" altLang="zh-CN" dirty="0" smtClean="0"/>
+              <a:t>the</a:t>
+            </a:r>
+            <a:r>
+              <a:rPr lang="zh-CN" altLang="en-US" dirty="0" smtClean="0"/>
+              <a:t> </a:t>
+            </a:r>
+            <a:r>
+              <a:rPr lang="en-US" altLang="zh-CN" dirty="0" smtClean="0"/>
+              <a:t>traffic</a:t>
+            </a:r>
+            <a:r>
+              <a:rPr lang="zh-CN" altLang="en-US" dirty="0" smtClean="0"/>
+              <a:t> </a:t>
+            </a:r>
+            <a:r>
+              <a:rPr lang="en-US" altLang="zh-CN" dirty="0" smtClean="0"/>
+              <a:t>on</a:t>
+            </a:r>
+            <a:r>
+              <a:rPr lang="zh-CN" altLang="en-US" dirty="0" smtClean="0"/>
+              <a:t> </a:t>
+            </a:r>
+            <a:r>
+              <a:rPr lang="en-US" altLang="zh-CN" dirty="0" smtClean="0"/>
+              <a:t>network</a:t>
+            </a:r>
+            <a:r>
+              <a:rPr lang="zh-CN" altLang="en-US" dirty="0" smtClean="0"/>
+              <a:t> </a:t>
+            </a:r>
+            <a:r>
+              <a:rPr lang="en-US" altLang="zh-CN" dirty="0" smtClean="0"/>
+              <a:t>links</a:t>
+            </a:r>
+          </a:p>
+          <a:p>
+            <a:endParaRPr lang="en-US" dirty="0"/>
+          </a:p>
+          <a:p>
+            <a:r>
+              <a:rPr lang="en-US" dirty="0" smtClean="0"/>
+              <a:t>Server load balancing</a:t>
+            </a:r>
+          </a:p>
+          <a:p>
+            <a:pPr lvl="1"/>
+            <a:r>
+              <a:rPr lang="en-US" dirty="0" smtClean="0"/>
+              <a:t>Choose a destination between multiple destinations</a:t>
+            </a:r>
+          </a:p>
+          <a:p>
+            <a:pPr lvl="1"/>
+            <a:r>
+              <a:rPr lang="en-US" dirty="0" smtClean="0"/>
+              <a:t>Balance the traffic on destinations</a:t>
+            </a:r>
+            <a:endParaRPr lang="en-US" dirty="0"/>
+          </a:p>
+        </p:txBody>
+      </p:sp>
+      <p:sp>
+        <p:nvSpPr>
+          <p:cNvPr id="4" name="Slide Number Placeholder 3"/>
+          <p:cNvSpPr>
+            <a:spLocks noGrp="1"/>
+          </p:cNvSpPr>
+          <p:nvPr>
+            <p:ph type="sldNum" sz="quarter" idx="12"/>
+          </p:nvPr>
+        </p:nvSpPr>
+        <p:spPr/>
+        <p:txBody>
+          <a:bodyPr/>
+          <a:lstStyle/>
+          <a:p>
+            <a:fld id="{1C91BF9F-A6D6-9C44-9AC2-A799D1CC7BF8}" type="slidenum">
+              <a:rPr lang="en-US" smtClean="0"/>
+              <a:t>13</a:t>
+            </a:fld>
+            <a:endParaRPr lang="en-US"/>
+          </a:p>
+        </p:txBody>
+      </p:sp>
+    </p:spTree>
+    <p:extLst>
+      <p:ext uri="{BB962C8B-B14F-4D97-AF65-F5344CB8AC3E}">
+        <p14:creationId xmlns:p14="http://schemas.microsoft.com/office/powerpoint/2010/main" val="1029650206"/>
+      </p:ext>
+    </p:extLst>
+  </p:cSld>
+  <p:clrMapOvr>
+    <a:masterClrMapping/>
+  </p:clrMapOvr>
+</p:sld>
+</file>
+
+<file path=ppt/slides/slide14.xml><?xml version="1.0" encoding="utf-8"?>
+<p:sld xmlns:a="http://schemas.openxmlformats.org/drawingml/2006/main" xmlns:r="http://schemas.openxmlformats.org/officeDocument/2006/relationships" xmlns:p="http://schemas.openxmlformats.org/presentationml/2006/main">
+  <p:cSld>
+    <p:spTree>
+      <p:nvGrpSpPr>
+        <p:cNvPr id="1" name=""/>
+        <p:cNvGrpSpPr/>
+        <p:nvPr/>
+      </p:nvGrpSpPr>
+      <p:grpSpPr>
+        <a:xfrm>
+          <a:off x="0" y="0"/>
+          <a:ext cx="0" cy="0"/>
+          <a:chOff x="0" y="0"/>
+          <a:chExt cx="0" cy="0"/>
+        </a:xfrm>
+      </p:grpSpPr>
+      <p:sp>
+        <p:nvSpPr>
+          <p:cNvPr id="2" name="Title 1"/>
+          <p:cNvSpPr>
+            <a:spLocks noGrp="1"/>
+          </p:cNvSpPr>
+          <p:nvPr>
+            <p:ph type="title"/>
+          </p:nvPr>
+        </p:nvSpPr>
         <p:spPr>
           <a:xfrm>
             <a:off x="628650" y="990600"/>
@@ -4490,7 +4686,7 @@
           <a:p>
             <a:fld id="{1C91BF9F-A6D6-9C44-9AC2-A799D1CC7BF8}" type="slidenum">
               <a:rPr lang="en-US" smtClean="0"/>
-              <a:t>13</a:t>
+              <a:t>14</a:t>
             </a:fld>
             <a:endParaRPr lang="en-US"/>
           </a:p>
@@ -4520,13 +4716,8 @@
           <a:p>
             <a:r>
               <a:rPr lang="en-US" dirty="0" smtClean="0"/>
-              <a:t>Ananta</a:t>
-            </a:r>
-            <a:r>
-              <a:rPr lang="en-US" dirty="0" smtClean="0"/>
-              <a:t>, SIGCOMM’13</a:t>
-            </a:r>
-            <a:endParaRPr lang="en-US" dirty="0" smtClean="0"/>
+              <a:t>Ananta, SIGCOMM’13</a:t>
+            </a:r>
           </a:p>
           <a:p>
             <a:pPr lvl="1"/>
@@ -4534,7 +4725,6 @@
               <a:rPr lang="en-US" dirty="0" smtClean="0"/>
               <a:t>Software load balancer</a:t>
             </a:r>
-            <a:endParaRPr lang="en-US" dirty="0" smtClean="0"/>
           </a:p>
           <a:p>
             <a:endParaRPr lang="en-US" dirty="0"/>
@@ -4548,7 +4738,6 @@
               <a:rPr lang="en-US" dirty="0" smtClean="0"/>
               <a:t>, SIGCOMM’17</a:t>
             </a:r>
-            <a:endParaRPr lang="en-US" dirty="0" smtClean="0"/>
           </a:p>
           <a:p>
             <a:pPr lvl="1"/>
@@ -4556,7 +4745,6 @@
               <a:rPr lang="en-US" dirty="0" smtClean="0"/>
               <a:t>Hardware load balancer</a:t>
             </a:r>
-            <a:endParaRPr lang="en-US" dirty="0" smtClean="0"/>
           </a:p>
         </p:txBody>
       </p:sp>
@@ -4580,7 +4768,7 @@
 </p:sld>
 </file>
 
-<file path=ppt/slides/slide14.xml><?xml version="1.0" encoding="utf-8"?>
+<file path=ppt/slides/slide15.xml><?xml version="1.0" encoding="utf-8"?>
 <p:sld xmlns:a="http://schemas.openxmlformats.org/drawingml/2006/main" xmlns:r="http://schemas.openxmlformats.org/officeDocument/2006/relationships" xmlns:p="http://schemas.openxmlformats.org/presentationml/2006/main">
   <p:cSld>
     <p:spTree>
@@ -4646,13 +4834,8 @@
           <a:p>
             <a:r>
               <a:rPr lang="en-US" dirty="0" smtClean="0"/>
-              <a:t>How can we design better load balancers</a:t>
-            </a:r>
-            <a:r>
-              <a:rPr lang="en-US" dirty="0" smtClean="0"/>
-              <a:t>?</a:t>
-            </a:r>
-            <a:endParaRPr lang="en-US" dirty="0" smtClean="0"/>
+              <a:t>How can we design better load balancers?</a:t>
+            </a:r>
           </a:p>
         </p:txBody>
       </p:sp>
@@ -4673,7 +4856,7 @@
           <a:p>
             <a:fld id="{1C91BF9F-A6D6-9C44-9AC2-A799D1CC7BF8}" type="slidenum">
               <a:rPr lang="en-US" smtClean="0"/>
-              <a:t>14</a:t>
+              <a:t>15</a:t>
             </a:fld>
             <a:endParaRPr lang="en-US"/>
           </a:p>
@@ -4774,7 +4957,7 @@
 </p:sld>
 </file>
 
-<file path=ppt/slides/slide15.xml><?xml version="1.0" encoding="utf-8"?>
+<file path=ppt/slides/slide16.xml><?xml version="1.0" encoding="utf-8"?>
 <p:sld xmlns:a="http://schemas.openxmlformats.org/drawingml/2006/main" xmlns:r="http://schemas.openxmlformats.org/officeDocument/2006/relationships" xmlns:p="http://schemas.openxmlformats.org/presentationml/2006/main">
   <p:cSld>
     <p:spTree>
@@ -4844,7 +5027,7 @@
           <a:p>
             <a:fld id="{1C91BF9F-A6D6-9C44-9AC2-A799D1CC7BF8}" type="slidenum">
               <a:rPr lang="en-US" smtClean="0"/>
-              <a:t>15</a:t>
+              <a:t>16</a:t>
             </a:fld>
             <a:endParaRPr lang="en-US"/>
           </a:p>
